--- a/Mini Project.pptx
+++ b/Mini Project.pptx
@@ -23,10 +23,9 @@
     <p:sldId id="280" r:id="rId17"/>
     <p:sldId id="279" r:id="rId18"/>
     <p:sldId id="273" r:id="rId19"/>
-    <p:sldId id="260" r:id="rId20"/>
-    <p:sldId id="272" r:id="rId21"/>
-    <p:sldId id="274" r:id="rId22"/>
-    <p:sldId id="262" r:id="rId23"/>
+    <p:sldId id="272" r:id="rId20"/>
+    <p:sldId id="274" r:id="rId21"/>
+    <p:sldId id="262" r:id="rId22"/>
   </p:sldIdLst>
   <p:sldSz cx="9144000" cy="5143500" type="screen16x9"/>
   <p:notesSz cx="9144000" cy="5143500"/>
@@ -287,7 +286,7 @@
           <a:p>
             <a:fld id="{1D8BD707-D9CF-40AE-B4C6-C98DA3205C09}" type="datetimeFigureOut">
               <a:rPr lang="en-US"/>
-              <a:t>6/27/2021</a:t>
+              <a:t>6/28/2021</a:t>
             </a:fld>
             <a:endParaRPr lang="en-US"/>
           </a:p>
@@ -464,7 +463,7 @@
           <a:p>
             <a:fld id="{1D8BD707-D9CF-40AE-B4C6-C98DA3205C09}" type="datetimeFigureOut">
               <a:rPr lang="en-US"/>
-              <a:t>6/27/2021</a:t>
+              <a:t>6/28/2021</a:t>
             </a:fld>
             <a:endParaRPr lang="en-US"/>
           </a:p>
@@ -678,7 +677,7 @@
           <a:p>
             <a:fld id="{1D8BD707-D9CF-40AE-B4C6-C98DA3205C09}" type="datetimeFigureOut">
               <a:rPr lang="en-US"/>
-              <a:t>6/27/2021</a:t>
+              <a:t>6/28/2021</a:t>
             </a:fld>
             <a:endParaRPr lang="en-US"/>
           </a:p>
@@ -826,7 +825,7 @@
           <a:p>
             <a:fld id="{1D8BD707-D9CF-40AE-B4C6-C98DA3205C09}" type="datetimeFigureOut">
               <a:rPr lang="en-US"/>
-              <a:t>6/27/2021</a:t>
+              <a:t>6/28/2021</a:t>
             </a:fld>
             <a:endParaRPr lang="en-US"/>
           </a:p>
@@ -945,7 +944,7 @@
           <a:p>
             <a:fld id="{1D8BD707-D9CF-40AE-B4C6-C98DA3205C09}" type="datetimeFigureOut">
               <a:rPr lang="en-US"/>
-              <a:t>6/27/2021</a:t>
+              <a:t>6/28/2021</a:t>
             </a:fld>
             <a:endParaRPr lang="en-US"/>
           </a:p>
@@ -1342,7 +1341,7 @@
           <a:p>
             <a:fld id="{1D8BD707-D9CF-40AE-B4C6-C98DA3205C09}" type="datetimeFigureOut">
               <a:rPr lang="en-US"/>
-              <a:t>6/27/2021</a:t>
+              <a:t>6/28/2021</a:t>
             </a:fld>
             <a:endParaRPr lang="en-US"/>
           </a:p>
@@ -2376,11 +2375,7 @@
             <a:pPr rtl="0"/>
             <a:r>
               <a:rPr lang="en-CA" dirty="0" smtClean="0"/>
-              <a:t>Beside of P au P , </a:t>
-            </a:r>
-            <a:r>
-              <a:rPr lang="en-CA" dirty="0" smtClean="0"/>
-              <a:t>you can see </a:t>
+              <a:t>Beside of P au P , you can see </a:t>
             </a:r>
             <a:r>
               <a:rPr lang="en-CA" dirty="0" err="1" smtClean="0"/>
@@ -2622,36 +2617,6 @@
       </p:sp>
       <p:pic>
         <p:nvPicPr>
-          <p:cNvPr id="7" name="Picture 6"/>
-          <p:cNvPicPr>
-            <a:picLocks noChangeAspect="1"/>
-          </p:cNvPicPr>
-          <p:nvPr/>
-        </p:nvPicPr>
-        <p:blipFill>
-          <a:blip r:embed="rId2" cstate="print">
-            <a:extLst>
-              <a:ext uri="{28A0092B-C50C-407E-A947-70E740481C1C}">
-                <a14:useLocalDpi xmlns:a14="http://schemas.microsoft.com/office/drawing/2010/main" val="0"/>
-              </a:ext>
-            </a:extLst>
-          </a:blip>
-          <a:stretch>
-            <a:fillRect/>
-          </a:stretch>
-        </p:blipFill>
-        <p:spPr>
-          <a:xfrm>
-            <a:off x="914400" y="3409950"/>
-            <a:ext cx="1179576" cy="1103376"/>
-          </a:xfrm>
-          <a:prstGeom prst="rect">
-            <a:avLst/>
-          </a:prstGeom>
-        </p:spPr>
-      </p:pic>
-      <p:pic>
-        <p:nvPicPr>
           <p:cNvPr id="4" name="Picture 3"/>
           <p:cNvPicPr>
             <a:picLocks noChangeAspect="1"/>
@@ -2659,7 +2624,7 @@
           <p:nvPr/>
         </p:nvPicPr>
         <p:blipFill>
-          <a:blip r:embed="rId3">
+          <a:blip r:embed="rId2">
             <a:extLst>
               <a:ext uri="{28A0092B-C50C-407E-A947-70E740481C1C}">
                 <a14:useLocalDpi xmlns:a14="http://schemas.microsoft.com/office/drawing/2010/main" val="0"/>
@@ -2783,11 +2748,7 @@
             <a:pPr rtl="0"/>
             <a:r>
               <a:rPr lang="en-CA" dirty="0" smtClean="0"/>
-              <a:t>You can see tha</a:t>
-            </a:r>
-            <a:r>
-              <a:rPr lang="en-CA" dirty="0" smtClean="0"/>
-              <a:t>t in </a:t>
+              <a:t>You can see that in </a:t>
             </a:r>
             <a:r>
               <a:rPr lang="en-CA" dirty="0" err="1" smtClean="0"/>
@@ -2824,36 +2785,6 @@
           </a:p>
         </p:txBody>
       </p:sp>
-      <p:pic>
-        <p:nvPicPr>
-          <p:cNvPr id="4" name="Picture 3"/>
-          <p:cNvPicPr>
-            <a:picLocks noChangeAspect="1"/>
-          </p:cNvPicPr>
-          <p:nvPr/>
-        </p:nvPicPr>
-        <p:blipFill>
-          <a:blip r:embed="rId2" cstate="print">
-            <a:extLst>
-              <a:ext uri="{28A0092B-C50C-407E-A947-70E740481C1C}">
-                <a14:useLocalDpi xmlns:a14="http://schemas.microsoft.com/office/drawing/2010/main" val="0"/>
-              </a:ext>
-            </a:extLst>
-          </a:blip>
-          <a:stretch>
-            <a:fillRect/>
-          </a:stretch>
-        </p:blipFill>
-        <p:spPr>
-          <a:xfrm>
-            <a:off x="2209800" y="3321649"/>
-            <a:ext cx="1447800" cy="1560576"/>
-          </a:xfrm>
-          <a:prstGeom prst="rect">
-            <a:avLst/>
-          </a:prstGeom>
-        </p:spPr>
-      </p:pic>
       <p:pic>
         <p:nvPicPr>
           <p:cNvPr id="6" name="Picture 5"/>
@@ -2863,7 +2794,7 @@
           <p:nvPr/>
         </p:nvPicPr>
         <p:blipFill>
-          <a:blip r:embed="rId3">
+          <a:blip r:embed="rId2">
             <a:extLst>
               <a:ext uri="{28A0092B-C50C-407E-A947-70E740481C1C}">
                 <a14:useLocalDpi xmlns:a14="http://schemas.microsoft.com/office/drawing/2010/main" val="0"/>
@@ -3003,36 +2934,6 @@
       </p:sp>
       <p:pic>
         <p:nvPicPr>
-          <p:cNvPr id="4" name="Picture 3"/>
-          <p:cNvPicPr>
-            <a:picLocks noChangeAspect="1"/>
-          </p:cNvPicPr>
-          <p:nvPr/>
-        </p:nvPicPr>
-        <p:blipFill>
-          <a:blip r:embed="rId2" cstate="print">
-            <a:extLst>
-              <a:ext uri="{28A0092B-C50C-407E-A947-70E740481C1C}">
-                <a14:useLocalDpi xmlns:a14="http://schemas.microsoft.com/office/drawing/2010/main" val="0"/>
-              </a:ext>
-            </a:extLst>
-          </a:blip>
-          <a:stretch>
-            <a:fillRect/>
-          </a:stretch>
-        </p:blipFill>
-        <p:spPr>
-          <a:xfrm>
-            <a:off x="1143000" y="3409950"/>
-            <a:ext cx="1371600" cy="1143000"/>
-          </a:xfrm>
-          <a:prstGeom prst="rect">
-            <a:avLst/>
-          </a:prstGeom>
-        </p:spPr>
-      </p:pic>
-      <p:pic>
-        <p:nvPicPr>
           <p:cNvPr id="5" name="Picture 4"/>
           <p:cNvPicPr>
             <a:picLocks noChangeAspect="1"/>
@@ -3040,7 +2941,7 @@
           <p:nvPr/>
         </p:nvPicPr>
         <p:blipFill>
-          <a:blip r:embed="rId3">
+          <a:blip r:embed="rId2">
             <a:extLst>
               <a:ext uri="{28A0092B-C50C-407E-A947-70E740481C1C}">
                 <a14:useLocalDpi xmlns:a14="http://schemas.microsoft.com/office/drawing/2010/main" val="0"/>
@@ -3509,14 +3410,14 @@
             <p:ph sz="half" idx="2"/>
             <p:extLst>
               <p:ext uri="{D42A27DB-BD31-4B8C-83A1-F6EECF244321}">
-                <p14:modId xmlns:p14="http://schemas.microsoft.com/office/powerpoint/2010/main" val="1190342619"/>
+                <p14:modId xmlns:p14="http://schemas.microsoft.com/office/powerpoint/2010/main" val="328832390"/>
               </p:ext>
             </p:extLst>
           </p:nvPr>
         </p:nvGraphicFramePr>
         <p:xfrm>
           <a:off x="533400" y="1182688"/>
-          <a:ext cx="3902076" cy="2169160"/>
+          <a:ext cx="3902076" cy="3022600"/>
         </p:xfrm>
         <a:graphic>
           <a:graphicData uri="http://schemas.openxmlformats.org/drawingml/2006/table">
@@ -3585,12 +3486,9 @@
                         <a:buFont typeface="+mj-lt"/>
                         <a:buAutoNum type="arabicPeriod"/>
                       </a:pPr>
-                      <a:r>
-                        <a:rPr lang="en-US" sz="1400" u="none" strike="noStrike" dirty="0" smtClean="0">
-                          <a:effectLst/>
-                        </a:rPr>
-                        <a:t>Multiple brands</a:t>
-                      </a:r>
+                      <a:endParaRPr lang="en-US" sz="1400" u="none" strike="noStrike" dirty="0" smtClean="0">
+                        <a:effectLst/>
+                      </a:endParaRPr>
                     </a:p>
                     <a:p>
                       <a:pPr marL="342900" lvl="0" indent="-342900">
@@ -3601,8 +3499,35 @@
                         <a:rPr lang="en-US" sz="1400" u="none" strike="noStrike" dirty="0" smtClean="0">
                           <a:effectLst/>
                         </a:rPr>
-                        <a:t>Record of each transaction</a:t>
+                        <a:t>Any</a:t>
                       </a:r>
+                      <a:r>
+                        <a:rPr lang="en-US" sz="1400" u="none" strike="noStrike" baseline="0" dirty="0" smtClean="0">
+                          <a:effectLst/>
+                        </a:rPr>
+                        <a:t> education level can join </a:t>
+                      </a:r>
+                      <a:r>
+                        <a:rPr lang="en-US" sz="1400" u="none" strike="noStrike" baseline="0" dirty="0" err="1" smtClean="0">
+                          <a:effectLst/>
+                        </a:rPr>
+                        <a:t>Ayiti</a:t>
+                      </a:r>
+                      <a:r>
+                        <a:rPr lang="en-US" sz="1400" u="none" strike="noStrike" baseline="0" dirty="0" smtClean="0">
+                          <a:effectLst/>
+                        </a:rPr>
+                        <a:t> Analytics to learn</a:t>
+                      </a:r>
+                    </a:p>
+                    <a:p>
+                      <a:pPr marL="342900" lvl="0" indent="-342900">
+                        <a:buFont typeface="+mj-lt"/>
+                        <a:buAutoNum type="arabicPeriod"/>
+                      </a:pPr>
+                      <a:endParaRPr lang="en-US" sz="1400" u="none" strike="noStrike" baseline="0" dirty="0" smtClean="0">
+                        <a:effectLst/>
+                      </a:endParaRPr>
                     </a:p>
                     <a:p>
                       <a:pPr marL="342900" lvl="0" indent="-342900">
@@ -3613,8 +3538,41 @@
                         <a:rPr lang="en-US" sz="1400" u="none" strike="noStrike" dirty="0" smtClean="0">
                           <a:effectLst/>
                         </a:rPr>
-                        <a:t>Stock on time</a:t>
+                        <a:t>Yu</a:t>
                       </a:r>
+                      <a:r>
+                        <a:rPr lang="en-US" sz="1400" u="none" strike="noStrike" baseline="0" dirty="0" smtClean="0">
+                          <a:effectLst/>
+                        </a:rPr>
+                        <a:t> can join </a:t>
+                      </a:r>
+                      <a:r>
+                        <a:rPr lang="en-US" sz="1400" u="none" strike="noStrike" baseline="0" dirty="0" err="1" smtClean="0">
+                          <a:effectLst/>
+                        </a:rPr>
+                        <a:t>Ayiti</a:t>
+                      </a:r>
+                      <a:r>
+                        <a:rPr lang="en-US" sz="1400" u="none" strike="noStrike" baseline="0" dirty="0" smtClean="0">
+                          <a:effectLst/>
+                        </a:rPr>
+                        <a:t> Analytics if </a:t>
+                      </a:r>
+                      <a:r>
+                        <a:rPr lang="en-US" sz="1400" u="none" strike="noStrike" baseline="0" dirty="0" err="1" smtClean="0">
+                          <a:effectLst/>
+                        </a:rPr>
+                        <a:t>yu</a:t>
+                      </a:r>
+                      <a:r>
+                        <a:rPr lang="en-US" sz="1400" u="none" strike="noStrike" baseline="0" dirty="0" smtClean="0">
+                          <a:effectLst/>
+                        </a:rPr>
+                        <a:t> have at least 18 years old</a:t>
+                      </a:r>
+                      <a:endParaRPr lang="en-US" sz="1400" u="none" strike="noStrike" dirty="0" smtClean="0">
+                        <a:effectLst/>
+                      </a:endParaRPr>
                     </a:p>
                     <a:p>
                       <a:endParaRPr lang="en-US" sz="1400" dirty="0"/>
@@ -3635,7 +3593,40 @@
                         <a:rPr lang="en-US" sz="1400" u="none" strike="noStrike" dirty="0" smtClean="0">
                           <a:effectLst/>
                         </a:rPr>
-                        <a:t>Problem of management</a:t>
+                        <a:t>The</a:t>
+                      </a:r>
+                      <a:r>
+                        <a:rPr lang="en-US" sz="1400" u="none" strike="noStrike" baseline="0" dirty="0" smtClean="0">
+                          <a:effectLst/>
+                        </a:rPr>
+                        <a:t> problem of electricity in the country</a:t>
+                      </a:r>
+                      <a:endParaRPr lang="en-US" sz="1400" u="none" strike="noStrike" dirty="0" smtClean="0">
+                        <a:effectLst/>
+                      </a:endParaRPr>
+                    </a:p>
+                    <a:p>
+                      <a:pPr marL="342900" lvl="0" indent="-342900">
+                        <a:buFont typeface="+mj-lt"/>
+                        <a:buAutoNum type="arabicPeriod"/>
+                      </a:pPr>
+                      <a:r>
+                        <a:rPr lang="en-US" sz="1400" u="none" strike="noStrike" dirty="0" smtClean="0">
+                          <a:effectLst/>
+                        </a:rPr>
+                        <a:t>Internet </a:t>
+                      </a:r>
+                      <a:r>
+                        <a:rPr lang="en-US" sz="1400" u="none" strike="noStrike" dirty="0" err="1" smtClean="0">
+                          <a:effectLst/>
+                        </a:rPr>
+                        <a:t>laguing</a:t>
+                      </a:r>
+                      <a:r>
+                        <a:rPr lang="en-US" sz="1400" u="none" strike="noStrike" dirty="0" smtClean="0">
+                          <a:effectLst/>
+                        </a:rPr>
+                        <a:t>, poor connection</a:t>
                       </a:r>
                     </a:p>
                     <a:p>
@@ -3647,20 +3638,59 @@
                         <a:rPr lang="en-US" sz="1400" u="none" strike="noStrike" dirty="0" smtClean="0">
                           <a:effectLst/>
                         </a:rPr>
-                        <a:t>The brands don’t really affect the customers</a:t>
+                        <a:t>Wit the</a:t>
                       </a:r>
+                      <a:r>
+                        <a:rPr lang="en-US" sz="1400" u="none" strike="noStrike" baseline="0" dirty="0" smtClean="0">
+                          <a:effectLst/>
+                        </a:rPr>
+                        <a:t> </a:t>
+                      </a:r>
+                      <a:r>
+                        <a:rPr lang="en-US" sz="1400" u="none" strike="noStrike" dirty="0" smtClean="0">
+                          <a:effectLst/>
+                        </a:rPr>
+                        <a:t>Covid-19</a:t>
+                      </a:r>
+                      <a:r>
+                        <a:rPr lang="en-US" sz="1400" u="none" strike="noStrike" baseline="0" dirty="0" smtClean="0">
+                          <a:effectLst/>
+                        </a:rPr>
+                        <a:t> the </a:t>
+                      </a:r>
+                      <a:r>
+                        <a:rPr lang="en-US" sz="1400" u="none" strike="noStrike" baseline="0" dirty="0" err="1" smtClean="0">
+                          <a:effectLst/>
+                        </a:rPr>
+                        <a:t>bootcamp</a:t>
+                      </a:r>
+                      <a:r>
+                        <a:rPr lang="en-US" sz="1400" u="none" strike="noStrike" baseline="0" dirty="0" smtClean="0">
+                          <a:effectLst/>
+                        </a:rPr>
+                        <a:t> will not be favorable in centers</a:t>
+                      </a:r>
+                      <a:endParaRPr lang="en-US" sz="1400" u="none" strike="noStrike" dirty="0" smtClean="0">
+                        <a:effectLst/>
+                      </a:endParaRPr>
                     </a:p>
                     <a:p>
                       <a:pPr marL="342900" lvl="0" indent="-342900">
                         <a:buFont typeface="+mj-lt"/>
                         <a:buAutoNum type="arabicPeriod"/>
                       </a:pPr>
-                      <a:r>
-                        <a:rPr lang="en-US" sz="1400" u="none" strike="noStrike" dirty="0" smtClean="0">
-                          <a:effectLst/>
-                        </a:rPr>
-                        <a:t>Lack of information on the market</a:t>
-                      </a:r>
+                      <a:endParaRPr lang="en-US" sz="1400" u="none" strike="noStrike" dirty="0" smtClean="0">
+                        <a:effectLst/>
+                      </a:endParaRPr>
+                    </a:p>
+                    <a:p>
+                      <a:pPr marL="0" lvl="0" indent="0">
+                        <a:buFont typeface="+mj-lt"/>
+                        <a:buNone/>
+                      </a:pPr>
+                      <a:endParaRPr lang="en-US" sz="1400" u="none" strike="noStrike" dirty="0" smtClean="0">
+                        <a:effectLst/>
+                      </a:endParaRPr>
                     </a:p>
                     <a:p>
                       <a:endParaRPr lang="en-US" sz="1400" dirty="0"/>
@@ -3688,14 +3718,14 @@
             <p:ph sz="half" idx="3"/>
             <p:extLst>
               <p:ext uri="{D42A27DB-BD31-4B8C-83A1-F6EECF244321}">
-                <p14:modId xmlns:p14="http://schemas.microsoft.com/office/powerpoint/2010/main" val="989959619"/>
+                <p14:modId xmlns:p14="http://schemas.microsoft.com/office/powerpoint/2010/main" val="1862509914"/>
               </p:ext>
             </p:extLst>
           </p:nvPr>
         </p:nvGraphicFramePr>
         <p:xfrm>
           <a:off x="5181598" y="514351"/>
-          <a:ext cx="3200402" cy="4015060"/>
+          <a:ext cx="3200402" cy="4511040"/>
         </p:xfrm>
         <a:graphic>
           <a:graphicData uri="http://schemas.openxmlformats.org/drawingml/2006/table">
@@ -3768,8 +3798,29 @@
                         <a:rPr lang="en-US" sz="1400" u="none" strike="noStrike" dirty="0" smtClean="0">
                           <a:effectLst/>
                         </a:rPr>
-                        <a:t>Organize a market research based on a survey</a:t>
+                        <a:t>Make</a:t>
                       </a:r>
+                      <a:r>
+                        <a:rPr lang="en-US" sz="1400" u="none" strike="noStrike" baseline="0" dirty="0" smtClean="0">
+                          <a:effectLst/>
+                        </a:rPr>
+                        <a:t> the </a:t>
+                      </a:r>
+                      <a:r>
+                        <a:rPr lang="en-US" sz="1400" u="none" strike="noStrike" baseline="0" dirty="0" err="1" smtClean="0">
+                          <a:effectLst/>
+                        </a:rPr>
+                        <a:t>bootcamp</a:t>
+                      </a:r>
+                      <a:r>
+                        <a:rPr lang="en-US" sz="1400" u="none" strike="noStrike" baseline="0" dirty="0" smtClean="0">
+                          <a:effectLst/>
+                        </a:rPr>
+                        <a:t> online won’t need a lot of training centers</a:t>
+                      </a:r>
+                      <a:endParaRPr lang="en-US" sz="1400" u="none" strike="noStrike" dirty="0" smtClean="0">
+                        <a:effectLst/>
+                      </a:endParaRPr>
                     </a:p>
                     <a:p>
                       <a:pPr marL="342900" lvl="0" indent="-342900">
@@ -3780,7 +3831,19 @@
                         <a:rPr lang="en-US" sz="1400" u="none" strike="noStrike" dirty="0" smtClean="0">
                           <a:effectLst/>
                         </a:rPr>
-                        <a:t>They can use the result of the business analysis to adjust their stock </a:t>
+                        <a:t>They can use the result of the business </a:t>
+                      </a:r>
+                      <a:r>
+                        <a:rPr lang="en-US" sz="1400" u="none" strike="noStrike" dirty="0" smtClean="0">
+                          <a:effectLst/>
+                        </a:rPr>
+                        <a:t>analysis</a:t>
+                      </a:r>
+                      <a:r>
+                        <a:rPr lang="en-US" sz="1400" u="none" strike="noStrike" baseline="0" dirty="0" smtClean="0">
+                          <a:effectLst/>
+                        </a:rPr>
+                        <a:t> to see things in a different way where to expand </a:t>
                       </a:r>
                     </a:p>
                     <a:p>
@@ -3789,10 +3852,22 @@
                         <a:buAutoNum type="arabicPeriod"/>
                       </a:pPr>
                       <a:r>
-                        <a:rPr lang="en-US" sz="1400" u="none" strike="noStrike" dirty="0" smtClean="0">
+                        <a:rPr lang="en-US" sz="1400" u="none" strike="noStrike" baseline="0" dirty="0" smtClean="0">
                           <a:effectLst/>
                         </a:rPr>
-                        <a:t>Adjust their business to the market trends</a:t>
+                        <a:t>A lot of companies in </a:t>
+                      </a:r>
+                      <a:r>
+                        <a:rPr lang="en-US" sz="1400" u="none" strike="noStrike" baseline="0" dirty="0" err="1" smtClean="0">
+                          <a:effectLst/>
+                        </a:rPr>
+                        <a:t>hait</a:t>
+                      </a:r>
+                      <a:r>
+                        <a:rPr lang="en-US" sz="1400" u="none" strike="noStrike" baseline="0" dirty="0" smtClean="0">
+                          <a:effectLst/>
+                        </a:rPr>
+                        <a:t> need Data scientist</a:t>
                       </a:r>
                     </a:p>
                     <a:p>
@@ -3814,7 +3889,25 @@
                         <a:rPr lang="en-US" sz="1400" u="none" strike="noStrike" dirty="0" smtClean="0">
                           <a:effectLst/>
                         </a:rPr>
-                        <a:t>The waste of so many products</a:t>
+                        <a:t>Big</a:t>
+                      </a:r>
+                      <a:r>
+                        <a:rPr lang="en-US" sz="1400" u="none" strike="noStrike" baseline="0" dirty="0" smtClean="0">
+                          <a:effectLst/>
+                        </a:rPr>
+                        <a:t> </a:t>
+                      </a:r>
+                      <a:r>
+                        <a:rPr lang="en-US" sz="1400" u="none" strike="noStrike" dirty="0" smtClean="0">
+                          <a:effectLst/>
+                        </a:rPr>
+                        <a:t>Challenge in the domain</a:t>
+                      </a:r>
+                      <a:r>
+                        <a:rPr lang="en-US" sz="1400" u="none" strike="noStrike" baseline="0" dirty="0" smtClean="0">
+                          <a:effectLst/>
+                        </a:rPr>
+                        <a:t> of data scientist</a:t>
                       </a:r>
                     </a:p>
                     <a:p>
@@ -3823,35 +3916,14 @@
                         <a:buAutoNum type="arabicPeriod"/>
                       </a:pPr>
                       <a:r>
-                        <a:rPr lang="en-US" sz="1400" u="none" strike="noStrike" dirty="0" smtClean="0">
+                        <a:rPr lang="en-US" sz="1400" u="none" strike="noStrike" baseline="0" dirty="0" smtClean="0">
                           <a:effectLst/>
                         </a:rPr>
-                        <a:t>A considerable loss</a:t>
+                        <a:t>Data missing</a:t>
                       </a:r>
-                    </a:p>
-                    <a:p>
-                      <a:pPr marL="342900" lvl="0" indent="-342900">
-                        <a:buFont typeface="+mj-lt"/>
-                        <a:buAutoNum type="arabicPeriod"/>
-                      </a:pPr>
-                      <a:r>
-                        <a:rPr lang="en-US" sz="1400" u="none" strike="noStrike" dirty="0" smtClean="0">
-                          <a:effectLst/>
-                        </a:rPr>
-                        <a:t>The lack of business analysis</a:t>
-                      </a:r>
-                    </a:p>
-                    <a:p>
-                      <a:pPr marL="342900" lvl="0" indent="-342900">
-                        <a:buFont typeface="+mj-lt"/>
-                        <a:buAutoNum type="arabicPeriod"/>
-                      </a:pPr>
-                      <a:r>
-                        <a:rPr lang="en-US" sz="1400" u="none" strike="noStrike" dirty="0" smtClean="0">
-                          <a:effectLst/>
-                        </a:rPr>
-                        <a:t>Bankruptcy</a:t>
-                      </a:r>
+                      <a:endParaRPr lang="en-US" sz="1400" u="none" strike="noStrike" dirty="0" smtClean="0">
+                        <a:effectLst/>
+                      </a:endParaRPr>
                     </a:p>
                     <a:p>
                       <a:endParaRPr lang="en-US" sz="1400" dirty="0"/>
@@ -3901,8 +3973,8 @@
       </p:grpSpPr>
       <p:sp>
         <p:nvSpPr>
-          <p:cNvPr id="2" name="object 2"/>
-          <p:cNvSpPr txBox="1">
+          <p:cNvPr id="2" name="Title 1"/>
+          <p:cNvSpPr>
             <a:spLocks noGrp="1"/>
           </p:cNvSpPr>
           <p:nvPr>
@@ -3912,38 +3984,25 @@
         <p:spPr>
           <a:xfrm>
             <a:off x="821750" y="303367"/>
-            <a:ext cx="5017770" cy="421640"/>
-          </a:xfrm>
-          <a:prstGeom prst="rect">
-            <a:avLst/>
-          </a:prstGeom>
-        </p:spPr>
-        <p:txBody>
-          <a:bodyPr vert="horz" wrap="square" lIns="0" tIns="12700" rIns="0" bIns="0" rtlCol="0">
-            <a:spAutoFit/>
-          </a:bodyPr>
+            <a:ext cx="7500499" cy="400110"/>
+          </a:xfrm>
+        </p:spPr>
+        <p:txBody>
+          <a:bodyPr/>
           <a:lstStyle/>
           <a:p>
-            <a:pPr marL="12700">
-              <a:lnSpc>
-                <a:spcPct val="100000"/>
-              </a:lnSpc>
-              <a:spcBef>
-                <a:spcPts val="100"/>
-              </a:spcBef>
-            </a:pPr>
-            <a:r>
-              <a:rPr spc="75" dirty="0" smtClean="0"/>
-              <a:t>Discussion</a:t>
-            </a:r>
-            <a:endParaRPr spc="60" dirty="0"/>
-          </a:p>
-        </p:txBody>
-      </p:sp>
-      <p:sp>
-        <p:nvSpPr>
-          <p:cNvPr id="3" name="object 3"/>
-          <p:cNvSpPr txBox="1">
+            <a:r>
+              <a:rPr lang="en-US" dirty="0" smtClean="0"/>
+              <a:t>Proposed solution</a:t>
+            </a:r>
+            <a:endParaRPr lang="en-US" dirty="0"/>
+          </a:p>
+        </p:txBody>
+      </p:sp>
+      <p:sp>
+        <p:nvSpPr>
+          <p:cNvPr id="3" name="Text Placeholder 2"/>
+          <p:cNvSpPr>
             <a:spLocks noGrp="1"/>
           </p:cNvSpPr>
           <p:nvPr>
@@ -3952,184 +4011,140 @@
         </p:nvSpPr>
         <p:spPr>
           <a:xfrm>
-            <a:off x="821750" y="1352550"/>
-            <a:ext cx="7544740" cy="2455031"/>
-          </a:xfrm>
-          <a:prstGeom prst="rect">
-            <a:avLst/>
-          </a:prstGeom>
-        </p:spPr>
-        <p:txBody>
-          <a:bodyPr vert="horz" wrap="square" lIns="0" tIns="12700" rIns="0" bIns="0" rtlCol="0">
-            <a:spAutoFit/>
-          </a:bodyPr>
+            <a:off x="799629" y="1275036"/>
+            <a:ext cx="7544740" cy="2769989"/>
+          </a:xfrm>
+        </p:spPr>
+        <p:txBody>
+          <a:bodyPr/>
           <a:lstStyle/>
           <a:p>
-            <a:pPr marL="127000" lvl="0" algn="l" rtl="0">
-              <a:lnSpc>
-                <a:spcPct val="115000"/>
-              </a:lnSpc>
-              <a:spcBef>
-                <a:spcPts val="1600"/>
-              </a:spcBef>
-              <a:spcAft>
-                <a:spcPts val="0"/>
-              </a:spcAft>
-              <a:buSzPts val="1600"/>
+            <a:pPr marL="342900" indent="-342900" algn="just">
+              <a:buFont typeface="+mj-lt"/>
+              <a:buAutoNum type="arabicPeriod"/>
             </a:pPr>
             <a:r>
-              <a:rPr lang="en-US" dirty="0" smtClean="0">
-                <a:latin typeface="Verdana" panose="020B0604030504040204" pitchFamily="34" charset="0"/>
-                <a:ea typeface="Verdana" panose="020B0604030504040204" pitchFamily="34" charset="0"/>
-                <a:cs typeface="Times New Roman"/>
-                <a:sym typeface="Times New Roman"/>
-              </a:rPr>
-              <a:t>The </a:t>
-            </a:r>
-            <a:r>
-              <a:rPr lang="en-US" dirty="0">
-                <a:latin typeface="Verdana" panose="020B0604030504040204" pitchFamily="34" charset="0"/>
-                <a:ea typeface="Verdana" panose="020B0604030504040204" pitchFamily="34" charset="0"/>
-                <a:cs typeface="Times New Roman"/>
-                <a:sym typeface="Times New Roman"/>
-              </a:rPr>
-              <a:t>different graphics above shown the business situation of the store boutique. The amount spent by the owner is above the profits he made for the three months of record we studied. Which is very </a:t>
-            </a:r>
-            <a:r>
-              <a:rPr lang="en-US" dirty="0" smtClean="0">
-                <a:latin typeface="Verdana" panose="020B0604030504040204" pitchFamily="34" charset="0"/>
-                <a:ea typeface="Verdana" panose="020B0604030504040204" pitchFamily="34" charset="0"/>
-                <a:cs typeface="Times New Roman"/>
-                <a:sym typeface="Times New Roman"/>
-              </a:rPr>
-              <a:t>alarming. </a:t>
-            </a:r>
-            <a:r>
-              <a:rPr lang="en-US" dirty="0">
-                <a:latin typeface="Verdana" panose="020B0604030504040204" pitchFamily="34" charset="0"/>
-                <a:ea typeface="Verdana" panose="020B0604030504040204" pitchFamily="34" charset="0"/>
-                <a:cs typeface="Times New Roman"/>
-                <a:sym typeface="Times New Roman"/>
-              </a:rPr>
-              <a:t>The boutique can’t make any real profit concerning the selling of tomato paste. To find a solution, the team questioned:</a:t>
-            </a:r>
-          </a:p>
-          <a:p>
-            <a:pPr marL="400050" lvl="0" indent="-285750" algn="just" rtl="0">
-              <a:lnSpc>
-                <a:spcPct val="115000"/>
-              </a:lnSpc>
-              <a:spcBef>
-                <a:spcPts val="1600"/>
-              </a:spcBef>
-              <a:spcAft>
-                <a:spcPts val="0"/>
-              </a:spcAft>
-              <a:buSzPts val="1800"/>
-              <a:buFont typeface="Arial" panose="020B0604020202020204" pitchFamily="34" charset="0"/>
-              <a:buChar char="•"/>
+              <a:rPr lang="en-US" sz="1800" dirty="0" err="1" smtClean="0"/>
+              <a:t>Ayiti</a:t>
+            </a:r>
+            <a:r>
+              <a:rPr lang="en-US" sz="1800" dirty="0" smtClean="0"/>
+              <a:t> Analytics can expand his training center in </a:t>
+            </a:r>
+            <a:r>
+              <a:rPr lang="en-US" sz="1800" dirty="0" err="1" smtClean="0"/>
+              <a:t>delmas</a:t>
+            </a:r>
+            <a:r>
+              <a:rPr lang="en-US" sz="1800" dirty="0" smtClean="0"/>
+              <a:t>, </a:t>
+            </a:r>
+            <a:r>
+              <a:rPr lang="en-US" sz="1800" dirty="0" err="1" smtClean="0"/>
+              <a:t>petion</a:t>
+            </a:r>
+            <a:r>
+              <a:rPr lang="en-US" sz="1800" dirty="0" smtClean="0"/>
+              <a:t> </a:t>
+            </a:r>
+            <a:r>
+              <a:rPr lang="en-US" sz="1800" dirty="0" err="1" smtClean="0"/>
+              <a:t>ville</a:t>
+            </a:r>
+            <a:r>
+              <a:rPr lang="en-US" sz="1800" dirty="0" smtClean="0"/>
+              <a:t>, Carrefour. These are the town with the highest applicants, and applicants who have both internet and laptop </a:t>
+            </a:r>
+          </a:p>
+          <a:p>
+            <a:pPr marL="342900" indent="-342900" algn="just">
+              <a:buFont typeface="+mj-lt"/>
+              <a:buAutoNum type="arabicPeriod"/>
             </a:pPr>
-            <a:r>
-              <a:rPr lang="en-US" dirty="0" smtClean="0">
-                <a:latin typeface="Verdana" panose="020B0604030504040204" pitchFamily="34" charset="0"/>
-                <a:ea typeface="Verdana" panose="020B0604030504040204" pitchFamily="34" charset="0"/>
-                <a:cs typeface="Times New Roman"/>
-                <a:sym typeface="Times New Roman"/>
-              </a:rPr>
-              <a:t>The </a:t>
-            </a:r>
-            <a:r>
-              <a:rPr lang="en-US" dirty="0">
-                <a:latin typeface="Verdana" panose="020B0604030504040204" pitchFamily="34" charset="0"/>
-                <a:ea typeface="Verdana" panose="020B0604030504040204" pitchFamily="34" charset="0"/>
-                <a:cs typeface="Times New Roman"/>
-                <a:sym typeface="Times New Roman"/>
-              </a:rPr>
-              <a:t>frequency of orders</a:t>
-            </a:r>
-          </a:p>
-          <a:p>
-            <a:pPr marL="400050" lvl="0" indent="-285750" algn="just" rtl="0">
-              <a:lnSpc>
-                <a:spcPct val="115000"/>
-              </a:lnSpc>
-              <a:spcBef>
-                <a:spcPts val="0"/>
-              </a:spcBef>
-              <a:spcAft>
-                <a:spcPts val="0"/>
-              </a:spcAft>
-              <a:buSzPts val="1800"/>
-              <a:buFont typeface="Arial" panose="020B0604020202020204" pitchFamily="34" charset="0"/>
-              <a:buChar char="•"/>
+            <a:endParaRPr lang="en-US" sz="1800" dirty="0" smtClean="0"/>
+          </a:p>
+          <a:p>
+            <a:pPr marL="342900" indent="-342900" algn="just">
+              <a:buFont typeface="+mj-lt"/>
+              <a:buAutoNum type="arabicPeriod"/>
             </a:pPr>
             <a:r>
-              <a:rPr lang="en-US" dirty="0" smtClean="0">
-                <a:latin typeface="Verdana" panose="020B0604030504040204" pitchFamily="34" charset="0"/>
-                <a:ea typeface="Verdana" panose="020B0604030504040204" pitchFamily="34" charset="0"/>
-                <a:cs typeface="Times New Roman"/>
-                <a:sym typeface="Times New Roman"/>
-              </a:rPr>
-              <a:t>The </a:t>
-            </a:r>
-            <a:r>
-              <a:rPr lang="en-US" dirty="0">
-                <a:latin typeface="Verdana" panose="020B0604030504040204" pitchFamily="34" charset="0"/>
-                <a:ea typeface="Verdana" panose="020B0604030504040204" pitchFamily="34" charset="0"/>
-                <a:cs typeface="Times New Roman"/>
-                <a:sym typeface="Times New Roman"/>
-              </a:rPr>
-              <a:t>quantity of boxes ordered</a:t>
-            </a:r>
-          </a:p>
-          <a:p>
-            <a:pPr marL="400050" lvl="0" indent="-285750" algn="just" rtl="0">
-              <a:lnSpc>
-                <a:spcPct val="115000"/>
-              </a:lnSpc>
-              <a:spcBef>
-                <a:spcPts val="0"/>
-              </a:spcBef>
-              <a:spcAft>
-                <a:spcPts val="0"/>
-              </a:spcAft>
-              <a:buSzPts val="1800"/>
-              <a:buFont typeface="Arial" panose="020B0604020202020204" pitchFamily="34" charset="0"/>
-              <a:buChar char="•"/>
+              <a:rPr lang="en-US" sz="1800" dirty="0" err="1" smtClean="0"/>
+              <a:t>Ayiti</a:t>
+            </a:r>
+            <a:r>
+              <a:rPr lang="en-US" sz="1800" dirty="0" smtClean="0"/>
+              <a:t> analytics can do the </a:t>
+            </a:r>
+            <a:r>
+              <a:rPr lang="en-US" sz="1800" dirty="0" err="1" smtClean="0"/>
+              <a:t>bootcamp</a:t>
+            </a:r>
+            <a:r>
+              <a:rPr lang="en-US" sz="1800" dirty="0" smtClean="0"/>
+              <a:t> online, so every communes will be able to participate.</a:t>
+            </a:r>
+          </a:p>
+          <a:p>
+            <a:pPr algn="just"/>
+            <a:r>
+              <a:rPr lang="en-US" sz="1800" dirty="0"/>
+              <a:t> </a:t>
+            </a:r>
+            <a:r>
+              <a:rPr lang="en-US" sz="1800" dirty="0" smtClean="0"/>
+              <a:t>    he won’t have to spend money in a center, for the teachers</a:t>
+            </a:r>
+          </a:p>
+          <a:p>
+            <a:pPr algn="just"/>
+            <a:r>
+              <a:rPr lang="en-US" sz="1800" dirty="0"/>
+              <a:t> </a:t>
+            </a:r>
+            <a:r>
+              <a:rPr lang="en-US" sz="1800" dirty="0" smtClean="0"/>
+              <a:t>    and even the country is locked for </a:t>
+            </a:r>
+            <a:r>
+              <a:rPr lang="en-US" sz="1800" dirty="0" err="1" smtClean="0"/>
+              <a:t>covid</a:t>
+            </a:r>
+            <a:r>
+              <a:rPr lang="en-US" sz="1800" dirty="0" smtClean="0"/>
+              <a:t> or politics situation, they will              </a:t>
+            </a:r>
+          </a:p>
+          <a:p>
+            <a:pPr algn="just"/>
+            <a:r>
+              <a:rPr lang="en-US" sz="1800" dirty="0"/>
+              <a:t> </a:t>
+            </a:r>
+            <a:r>
+              <a:rPr lang="en-US" sz="1800" dirty="0" smtClean="0"/>
+              <a:t>    still be able to teach people </a:t>
+            </a:r>
+          </a:p>
+          <a:p>
+            <a:pPr marL="342900" indent="-342900" algn="just">
+              <a:buFont typeface="+mj-lt"/>
+              <a:buAutoNum type="arabicPeriod"/>
             </a:pPr>
-            <a:r>
-              <a:rPr lang="en-US" dirty="0" smtClean="0">
-                <a:latin typeface="Verdana" panose="020B0604030504040204" pitchFamily="34" charset="0"/>
-                <a:ea typeface="Verdana" panose="020B0604030504040204" pitchFamily="34" charset="0"/>
-                <a:cs typeface="Times New Roman"/>
-                <a:sym typeface="Times New Roman"/>
-              </a:rPr>
-              <a:t>The </a:t>
-            </a:r>
-            <a:r>
-              <a:rPr lang="en-US" dirty="0">
-                <a:latin typeface="Verdana" panose="020B0604030504040204" pitchFamily="34" charset="0"/>
-                <a:ea typeface="Verdana" panose="020B0604030504040204" pitchFamily="34" charset="0"/>
-                <a:cs typeface="Times New Roman"/>
-                <a:sym typeface="Times New Roman"/>
-              </a:rPr>
-              <a:t>policy regarding the offer</a:t>
-            </a:r>
+            <a:endParaRPr lang="en-US" sz="1800" dirty="0"/>
           </a:p>
         </p:txBody>
       </p:sp>
     </p:spTree>
+    <p:extLst>
+      <p:ext uri="{BB962C8B-B14F-4D97-AF65-F5344CB8AC3E}">
+        <p14:creationId xmlns:p14="http://schemas.microsoft.com/office/powerpoint/2010/main" val="1835729709"/>
+      </p:ext>
+    </p:extLst>
   </p:cSld>
   <p:clrMapOvr>
     <a:masterClrMapping/>
   </p:clrMapOvr>
-  <p:timing>
-    <p:tnLst>
-      <p:par>
-        <p:cTn id="1" dur="indefinite" restart="never" nodeType="tmRoot"/>
-      </p:par>
-    </p:tnLst>
-  </p:timing>
 </p:sld>
 </file>
 
@@ -4340,92 +4355,6 @@
             <a:spLocks noGrp="1"/>
           </p:cNvSpPr>
           <p:nvPr>
-            <p:ph type="title"/>
-          </p:nvPr>
-        </p:nvSpPr>
-        <p:spPr>
-          <a:xfrm>
-            <a:off x="821750" y="303367"/>
-            <a:ext cx="7500499" cy="400110"/>
-          </a:xfrm>
-        </p:spPr>
-        <p:txBody>
-          <a:bodyPr/>
-          <a:lstStyle/>
-          <a:p>
-            <a:r>
-              <a:rPr lang="en-US" dirty="0" smtClean="0"/>
-              <a:t>Proposed solution</a:t>
-            </a:r>
-            <a:endParaRPr lang="en-US" dirty="0"/>
-          </a:p>
-        </p:txBody>
-      </p:sp>
-      <p:sp>
-        <p:nvSpPr>
-          <p:cNvPr id="3" name="Text Placeholder 2"/>
-          <p:cNvSpPr>
-            <a:spLocks noGrp="1"/>
-          </p:cNvSpPr>
-          <p:nvPr>
-            <p:ph type="body" idx="1"/>
-          </p:nvPr>
-        </p:nvSpPr>
-        <p:spPr>
-          <a:xfrm>
-            <a:off x="799629" y="1275037"/>
-            <a:ext cx="7544740" cy="276999"/>
-          </a:xfrm>
-        </p:spPr>
-        <p:txBody>
-          <a:bodyPr/>
-          <a:lstStyle/>
-          <a:p>
-            <a:pPr marL="342900" indent="-342900" algn="just">
-              <a:buFont typeface="+mj-lt"/>
-              <a:buAutoNum type="arabicPeriod"/>
-            </a:pPr>
-            <a:endParaRPr lang="en-US" sz="1800" dirty="0"/>
-          </a:p>
-        </p:txBody>
-      </p:sp>
-    </p:spTree>
-    <p:extLst>
-      <p:ext uri="{BB962C8B-B14F-4D97-AF65-F5344CB8AC3E}">
-        <p14:creationId xmlns:p14="http://schemas.microsoft.com/office/powerpoint/2010/main" val="1835729709"/>
-      </p:ext>
-    </p:extLst>
-  </p:cSld>
-  <p:clrMapOvr>
-    <a:masterClrMapping/>
-  </p:clrMapOvr>
-</p:sld>
-</file>
-
-<file path=ppt/slides/slide21.xml><?xml version="1.0" encoding="utf-8"?>
-<p:sld xmlns:a="http://schemas.openxmlformats.org/drawingml/2006/main" xmlns:r="http://schemas.openxmlformats.org/officeDocument/2006/relationships" xmlns:p="http://schemas.openxmlformats.org/presentationml/2006/main">
-  <p:cSld>
-    <p:spTree>
-      <p:nvGrpSpPr>
-        <p:cNvPr id="1" name=""/>
-        <p:cNvGrpSpPr/>
-        <p:nvPr/>
-      </p:nvGrpSpPr>
-      <p:grpSpPr>
-        <a:xfrm>
-          <a:off x="0" y="0"/>
-          <a:ext cx="0" cy="0"/>
-          <a:chOff x="0" y="0"/>
-          <a:chExt cx="0" cy="0"/>
-        </a:xfrm>
-      </p:grpSpPr>
-      <p:sp>
-        <p:nvSpPr>
-          <p:cNvPr id="2" name="Title 1"/>
-          <p:cNvSpPr>
-            <a:spLocks noGrp="1"/>
-          </p:cNvSpPr>
-          <p:nvPr>
             <p:ph type="ctrTitle"/>
           </p:nvPr>
         </p:nvSpPr>
@@ -4656,7 +4585,7 @@
 </p:sld>
 </file>
 
-<file path=ppt/slides/slide22.xml><?xml version="1.0" encoding="utf-8"?>
+<file path=ppt/slides/slide21.xml><?xml version="1.0" encoding="utf-8"?>
 <p:sld xmlns:a="http://schemas.openxmlformats.org/drawingml/2006/main" xmlns:r="http://schemas.openxmlformats.org/officeDocument/2006/relationships" xmlns:p="http://schemas.openxmlformats.org/presentationml/2006/main">
   <p:cSld>
     <p:spTree>
@@ -5172,7 +5101,7 @@
         <p:spPr>
           <a:xfrm>
             <a:off x="799629" y="1275037"/>
-            <a:ext cx="7544740" cy="3357842"/>
+            <a:ext cx="7544740" cy="2000548"/>
           </a:xfrm>
         </p:spPr>
         <p:txBody>
@@ -5191,41 +5120,14 @@
               <a:rPr lang="en-US" sz="1400" dirty="0" smtClean="0"/>
               <a:t> Analytics (the project)</a:t>
             </a:r>
+          </a:p>
+          <a:p>
+            <a:pPr rtl="0" fontAlgn="base"/>
+            <a:r>
+              <a:rPr lang="en-US" sz="1400" dirty="0" smtClean="0"/>
+              <a:t>The projects needs to be extended, so a lot of people have to know about this event</a:t>
+            </a:r>
             <a:endParaRPr lang="en-US" sz="1400" dirty="0" smtClean="0"/>
-          </a:p>
-          <a:p>
-            <a:pPr rtl="0" fontAlgn="base"/>
-            <a:r>
-              <a:rPr lang="en-US" sz="1400" dirty="0" smtClean="0"/>
-              <a:t>Michel, as the owner is the first one impacted by this problem of losses. Business is made to generate profit to the owner so losses is not what is he was attended to.</a:t>
-            </a:r>
-          </a:p>
-          <a:p>
-            <a:pPr rtl="0" fontAlgn="base"/>
-            <a:endParaRPr lang="en-US" sz="1400" dirty="0" smtClean="0"/>
-          </a:p>
-          <a:p>
-            <a:pPr rtl="0" fontAlgn="base"/>
-            <a:r>
-              <a:rPr lang="en-US" sz="1400" dirty="0" smtClean="0"/>
-              <a:t>If </a:t>
-            </a:r>
-            <a:r>
-              <a:rPr lang="en-US" sz="1400" dirty="0"/>
-              <a:t>the father is affected this  included that his son is also affected by the problem. </a:t>
-            </a:r>
-            <a:r>
-              <a:rPr lang="en-US" sz="1400" dirty="0" smtClean="0"/>
-              <a:t>The </a:t>
-            </a:r>
-            <a:r>
-              <a:rPr lang="en-US" sz="1400" dirty="0"/>
-              <a:t>profit </a:t>
-            </a:r>
-            <a:r>
-              <a:rPr lang="en-US" sz="1400" dirty="0" smtClean="0"/>
-              <a:t>will be benefit for him too.</a:t>
-            </a:r>
           </a:p>
           <a:p>
             <a:pPr marL="285750" indent="-285750" rtl="0" fontAlgn="base">
@@ -5240,213 +5142,19 @@
               <a:buChar char="•"/>
             </a:pPr>
             <a:r>
-              <a:rPr lang="en-US" sz="1400" dirty="0" err="1"/>
-              <a:t>Ayiti</a:t>
-            </a:r>
-            <a:r>
-              <a:rPr lang="en-US" sz="1400" dirty="0"/>
-              <a:t> Analytics (the </a:t>
-            </a:r>
-            <a:r>
               <a:rPr lang="en-US" sz="1400" dirty="0" smtClean="0"/>
-              <a:t>staff)</a:t>
-            </a:r>
-            <a:endParaRPr lang="en-US" sz="1400" dirty="0"/>
+              <a:t>Companies and business</a:t>
+            </a:r>
           </a:p>
           <a:p>
             <a:pPr rtl="0" fontAlgn="base"/>
             <a:r>
-              <a:rPr lang="en-US" sz="1400" dirty="0" smtClean="0">
-                <a:solidFill>
-                  <a:srgbClr val="434343"/>
-                </a:solidFill>
-                <a:latin typeface="Tahoma" panose="020B0604030504040204" pitchFamily="34" charset="0"/>
-                <a:ea typeface="Tahoma" panose="020B0604030504040204" pitchFamily="34" charset="0"/>
-                <a:cs typeface="Tahoma" panose="020B0604030504040204" pitchFamily="34" charset="0"/>
-                <a:sym typeface="Times New Roman"/>
-              </a:rPr>
-              <a:t>If </a:t>
-            </a:r>
-            <a:r>
-              <a:rPr lang="en-US" sz="1400" dirty="0">
-                <a:solidFill>
-                  <a:srgbClr val="434343"/>
-                </a:solidFill>
-                <a:latin typeface="Tahoma" panose="020B0604030504040204" pitchFamily="34" charset="0"/>
-                <a:ea typeface="Tahoma" panose="020B0604030504040204" pitchFamily="34" charset="0"/>
-                <a:cs typeface="Tahoma" panose="020B0604030504040204" pitchFamily="34" charset="0"/>
-                <a:sym typeface="Times New Roman"/>
-              </a:rPr>
-              <a:t>Michel chose to not sell tomato paste anymore it </a:t>
-            </a:r>
-            <a:r>
-              <a:rPr lang="en-US" sz="1400" dirty="0" smtClean="0">
-                <a:solidFill>
-                  <a:srgbClr val="434343"/>
-                </a:solidFill>
-                <a:latin typeface="Tahoma" panose="020B0604030504040204" pitchFamily="34" charset="0"/>
-                <a:ea typeface="Tahoma" panose="020B0604030504040204" pitchFamily="34" charset="0"/>
-                <a:cs typeface="Tahoma" panose="020B0604030504040204" pitchFamily="34" charset="0"/>
-                <a:sym typeface="Times New Roman"/>
-              </a:rPr>
-              <a:t>would affect </a:t>
-            </a:r>
-            <a:r>
-              <a:rPr lang="en-US" sz="1400" dirty="0">
-                <a:solidFill>
-                  <a:srgbClr val="434343"/>
-                </a:solidFill>
-                <a:latin typeface="Tahoma" panose="020B0604030504040204" pitchFamily="34" charset="0"/>
-                <a:ea typeface="Tahoma" panose="020B0604030504040204" pitchFamily="34" charset="0"/>
-                <a:cs typeface="Tahoma" panose="020B0604030504040204" pitchFamily="34" charset="0"/>
-                <a:sym typeface="Times New Roman"/>
-              </a:rPr>
-              <a:t>them </a:t>
-            </a:r>
-            <a:r>
-              <a:rPr lang="en-US" sz="1400" dirty="0" smtClean="0">
-                <a:solidFill>
-                  <a:srgbClr val="434343"/>
-                </a:solidFill>
-                <a:latin typeface="Tahoma" panose="020B0604030504040204" pitchFamily="34" charset="0"/>
-                <a:ea typeface="Tahoma" panose="020B0604030504040204" pitchFamily="34" charset="0"/>
-                <a:cs typeface="Tahoma" panose="020B0604030504040204" pitchFamily="34" charset="0"/>
-                <a:sym typeface="Times New Roman"/>
-              </a:rPr>
-              <a:t>especially </a:t>
-            </a:r>
-            <a:r>
-              <a:rPr lang="en-US" sz="1400" dirty="0">
-                <a:solidFill>
-                  <a:srgbClr val="434343"/>
-                </a:solidFill>
-                <a:latin typeface="Tahoma" panose="020B0604030504040204" pitchFamily="34" charset="0"/>
-                <a:ea typeface="Tahoma" panose="020B0604030504040204" pitchFamily="34" charset="0"/>
-                <a:cs typeface="Tahoma" panose="020B0604030504040204" pitchFamily="34" charset="0"/>
-                <a:sym typeface="Times New Roman"/>
-              </a:rPr>
-              <a:t>those who buy it</a:t>
-            </a:r>
-            <a:r>
-              <a:rPr lang="en-US" sz="1400" dirty="0" smtClean="0">
-                <a:solidFill>
-                  <a:srgbClr val="434343"/>
-                </a:solidFill>
-                <a:latin typeface="Tahoma" panose="020B0604030504040204" pitchFamily="34" charset="0"/>
-                <a:ea typeface="Tahoma" panose="020B0604030504040204" pitchFamily="34" charset="0"/>
-                <a:cs typeface="Tahoma" panose="020B0604030504040204" pitchFamily="34" charset="0"/>
-                <a:sym typeface="Times New Roman"/>
-              </a:rPr>
-              <a:t>. And if</a:t>
-            </a:r>
-            <a:r>
-              <a:rPr lang="en-US" sz="1400" dirty="0" smtClean="0">
-                <a:solidFill>
-                  <a:srgbClr val="434343"/>
-                </a:solidFill>
-                <a:latin typeface="Tahoma" panose="020B0604030504040204" pitchFamily="34" charset="0"/>
-                <a:ea typeface="Tahoma" panose="020B0604030504040204" pitchFamily="34" charset="0"/>
-                <a:cs typeface="Tahoma" panose="020B0604030504040204" pitchFamily="34" charset="0"/>
-                <a:sym typeface="Roboto"/>
-              </a:rPr>
-              <a:t> </a:t>
-            </a:r>
-            <a:r>
-              <a:rPr lang="en-US" sz="1400" dirty="0" smtClean="0">
-                <a:solidFill>
-                  <a:srgbClr val="434343"/>
-                </a:solidFill>
-                <a:latin typeface="Tahoma" panose="020B0604030504040204" pitchFamily="34" charset="0"/>
-                <a:ea typeface="Tahoma" panose="020B0604030504040204" pitchFamily="34" charset="0"/>
-                <a:cs typeface="Tahoma" panose="020B0604030504040204" pitchFamily="34" charset="0"/>
-                <a:sym typeface="Times New Roman"/>
-              </a:rPr>
-              <a:t>they </a:t>
-            </a:r>
-            <a:r>
-              <a:rPr lang="en-US" sz="1400" dirty="0">
-                <a:solidFill>
-                  <a:srgbClr val="434343"/>
-                </a:solidFill>
-                <a:latin typeface="Tahoma" panose="020B0604030504040204" pitchFamily="34" charset="0"/>
-                <a:ea typeface="Tahoma" panose="020B0604030504040204" pitchFamily="34" charset="0"/>
-                <a:cs typeface="Tahoma" panose="020B0604030504040204" pitchFamily="34" charset="0"/>
-                <a:sym typeface="Times New Roman"/>
-              </a:rPr>
-              <a:t>are not buying the product it's because there's a problem </a:t>
-            </a:r>
-            <a:r>
-              <a:rPr lang="en-US" sz="1400" dirty="0" smtClean="0">
-                <a:solidFill>
-                  <a:srgbClr val="434343"/>
-                </a:solidFill>
-                <a:latin typeface="Tahoma" panose="020B0604030504040204" pitchFamily="34" charset="0"/>
-                <a:ea typeface="Tahoma" panose="020B0604030504040204" pitchFamily="34" charset="0"/>
-                <a:cs typeface="Tahoma" panose="020B0604030504040204" pitchFamily="34" charset="0"/>
-                <a:sym typeface="Times New Roman"/>
-              </a:rPr>
-              <a:t>somewhere.</a:t>
+              <a:rPr lang="en-US" sz="1400" dirty="0" smtClean="0"/>
+              <a:t>When those companies will need a data scientist, they might not be able to find one qualify to do the analysis that a data scientist does</a:t>
             </a:r>
           </a:p>
           <a:p>
             <a:pPr rtl="0" fontAlgn="base"/>
-            <a:endParaRPr lang="en-US" sz="1400" dirty="0" smtClean="0">
-              <a:solidFill>
-                <a:srgbClr val="434343"/>
-              </a:solidFill>
-              <a:latin typeface="Tahoma" panose="020B0604030504040204" pitchFamily="34" charset="0"/>
-              <a:ea typeface="Tahoma" panose="020B0604030504040204" pitchFamily="34" charset="0"/>
-              <a:cs typeface="Tahoma" panose="020B0604030504040204" pitchFamily="34" charset="0"/>
-              <a:sym typeface="Times New Roman"/>
-            </a:endParaRPr>
-          </a:p>
-          <a:p>
-            <a:pPr marL="285750" indent="-285750" algn="just" rtl="0">
-              <a:lnSpc>
-                <a:spcPct val="115000"/>
-              </a:lnSpc>
-              <a:buClr>
-                <a:srgbClr val="434343"/>
-              </a:buClr>
-              <a:buSzPts val="1300"/>
-              <a:buFont typeface="Arial" panose="020B0604020202020204" pitchFamily="34" charset="0"/>
-              <a:buChar char="•"/>
-            </a:pPr>
-            <a:r>
-              <a:rPr lang="en-US" sz="1400" dirty="0" smtClean="0"/>
-              <a:t>The </a:t>
-            </a:r>
-            <a:r>
-              <a:rPr lang="en-US" sz="1400" dirty="0"/>
-              <a:t>providers and all those who have participated in the supply </a:t>
-            </a:r>
-            <a:r>
-              <a:rPr lang="en-US" sz="1400" dirty="0" smtClean="0"/>
-              <a:t>chain (</a:t>
-            </a:r>
-            <a:r>
-              <a:rPr lang="en-US" sz="1400" dirty="0"/>
-              <a:t>Bus driver</a:t>
-            </a:r>
-            <a:r>
-              <a:rPr lang="en-US" sz="1400" dirty="0" smtClean="0"/>
-              <a:t>…)</a:t>
-            </a:r>
-          </a:p>
-          <a:p>
-            <a:pPr algn="just" rtl="0">
-              <a:lnSpc>
-                <a:spcPct val="115000"/>
-              </a:lnSpc>
-              <a:buClr>
-                <a:srgbClr val="434343"/>
-              </a:buClr>
-              <a:buSzPts val="1300"/>
-            </a:pPr>
-            <a:r>
-              <a:rPr lang="en-US" sz="1400" dirty="0" smtClean="0"/>
-              <a:t>If Michel decided to stop purchasing the products, it would be non benefits for the provider.</a:t>
-            </a:r>
             <a:endParaRPr lang="en-US" sz="1400" dirty="0"/>
           </a:p>
           <a:p>
@@ -5575,11 +5283,7 @@
             </a:r>
             <a:r>
               <a:rPr lang="en-US" dirty="0" smtClean="0"/>
-              <a:t>lis</a:t>
-            </a:r>
-            <a:r>
-              <a:rPr lang="en-US" dirty="0" smtClean="0"/>
-              <a:t>t of applications, to the communes, and to which channel the news were spread, to the people who have paid to be enrolled in the </a:t>
+              <a:t>list of applications, to the communes, and to which channel the news were spread, to the people who have paid to be enrolled in the </a:t>
             </a:r>
             <a:r>
               <a:rPr lang="en-US" dirty="0" err="1" smtClean="0"/>
@@ -5784,11 +5488,7 @@
             </a:r>
             <a:r>
               <a:rPr lang="en-US" dirty="0" smtClean="0"/>
-              <a:t>Python</a:t>
-            </a:r>
-            <a:r>
-              <a:rPr lang="en-US" dirty="0" smtClean="0"/>
-              <a:t> </a:t>
+              <a:t>Python </a:t>
             </a:r>
             <a:r>
               <a:rPr lang="en-US" dirty="0"/>
